--- a/产品大数据分析与建模/大数据分析与建模 - 逻辑回归 第二讲.pptx
+++ b/产品大数据分析与建模/大数据分析与建模 - 逻辑回归 第二讲.pptx
@@ -261,7 +261,7 @@
           <a:p>
             <a:fld id="{015ED1EF-CE0C-4F5B-8D56-F992AB1193E6}" type="datetimeFigureOut">
               <a:rPr lang="zh-CN" altLang="en-US" smtClean="0"/>
-              <a:t>2020/9/30</a:t>
+              <a:t>2020/10/5</a:t>
             </a:fld>
             <a:endParaRPr lang="zh-CN" altLang="en-US"/>
           </a:p>
@@ -3143,7 +3143,7 @@
           <a:p>
             <a:fld id="{530820CF-B880-4189-942D-D702A7CBA730}" type="datetimeFigureOut">
               <a:rPr lang="zh-CN" altLang="en-US" smtClean="0"/>
-              <a:t>2020/9/30</a:t>
+              <a:t>2020/10/5</a:t>
             </a:fld>
             <a:endParaRPr lang="zh-CN" altLang="en-US"/>
           </a:p>
@@ -3398,7 +3398,7 @@
           <a:p>
             <a:fld id="{530820CF-B880-4189-942D-D702A7CBA730}" type="datetimeFigureOut">
               <a:rPr lang="zh-CN" altLang="en-US" smtClean="0"/>
-              <a:t>2020/9/30</a:t>
+              <a:t>2020/10/5</a:t>
             </a:fld>
             <a:endParaRPr lang="zh-CN" altLang="en-US"/>
           </a:p>
@@ -3569,7 +3569,7 @@
           <a:p>
             <a:fld id="{530820CF-B880-4189-942D-D702A7CBA730}" type="datetimeFigureOut">
               <a:rPr lang="zh-CN" altLang="en-US" smtClean="0"/>
-              <a:t>2020/9/30</a:t>
+              <a:t>2020/10/5</a:t>
             </a:fld>
             <a:endParaRPr lang="zh-CN" altLang="en-US"/>
           </a:p>
@@ -3750,7 +3750,7 @@
           <a:p>
             <a:fld id="{530820CF-B880-4189-942D-D702A7CBA730}" type="datetimeFigureOut">
               <a:rPr lang="zh-CN" altLang="en-US" smtClean="0"/>
-              <a:t>2020/9/30</a:t>
+              <a:t>2020/10/5</a:t>
             </a:fld>
             <a:endParaRPr lang="zh-CN" altLang="en-US"/>
           </a:p>
@@ -3921,7 +3921,7 @@
           <a:p>
             <a:fld id="{530820CF-B880-4189-942D-D702A7CBA730}" type="datetimeFigureOut">
               <a:rPr lang="zh-CN" altLang="en-US" smtClean="0"/>
-              <a:t>2020/9/30</a:t>
+              <a:t>2020/10/5</a:t>
             </a:fld>
             <a:endParaRPr lang="zh-CN" altLang="en-US"/>
           </a:p>
@@ -4169,7 +4169,7 @@
           <a:p>
             <a:fld id="{530820CF-B880-4189-942D-D702A7CBA730}" type="datetimeFigureOut">
               <a:rPr lang="zh-CN" altLang="en-US" smtClean="0"/>
-              <a:t>2020/9/30</a:t>
+              <a:t>2020/10/5</a:t>
             </a:fld>
             <a:endParaRPr lang="zh-CN" altLang="en-US"/>
           </a:p>
@@ -4457,7 +4457,7 @@
           <a:p>
             <a:fld id="{530820CF-B880-4189-942D-D702A7CBA730}" type="datetimeFigureOut">
               <a:rPr lang="zh-CN" altLang="en-US" smtClean="0"/>
-              <a:t>2020/9/30</a:t>
+              <a:t>2020/10/5</a:t>
             </a:fld>
             <a:endParaRPr lang="zh-CN" altLang="en-US"/>
           </a:p>
@@ -4879,7 +4879,7 @@
           <a:p>
             <a:fld id="{530820CF-B880-4189-942D-D702A7CBA730}" type="datetimeFigureOut">
               <a:rPr lang="zh-CN" altLang="en-US" smtClean="0"/>
-              <a:t>2020/9/30</a:t>
+              <a:t>2020/10/5</a:t>
             </a:fld>
             <a:endParaRPr lang="zh-CN" altLang="en-US"/>
           </a:p>
@@ -4999,7 +4999,7 @@
           <a:p>
             <a:fld id="{530820CF-B880-4189-942D-D702A7CBA730}" type="datetimeFigureOut">
               <a:rPr lang="zh-CN" altLang="en-US" smtClean="0"/>
-              <a:t>2020/9/30</a:t>
+              <a:t>2020/10/5</a:t>
             </a:fld>
             <a:endParaRPr lang="zh-CN" altLang="en-US"/>
           </a:p>
@@ -5097,7 +5097,7 @@
           <a:p>
             <a:fld id="{530820CF-B880-4189-942D-D702A7CBA730}" type="datetimeFigureOut">
               <a:rPr lang="zh-CN" altLang="en-US" smtClean="0"/>
-              <a:t>2020/9/30</a:t>
+              <a:t>2020/10/5</a:t>
             </a:fld>
             <a:endParaRPr lang="zh-CN" altLang="en-US"/>
           </a:p>
@@ -5232,7 +5232,7 @@
           <a:p>
             <a:fld id="{530820CF-B880-4189-942D-D702A7CBA730}" type="datetimeFigureOut">
               <a:rPr lang="zh-CN" altLang="en-US" smtClean="0"/>
-              <a:t>2020/9/30</a:t>
+              <a:t>2020/10/5</a:t>
             </a:fld>
             <a:endParaRPr lang="zh-CN" altLang="en-US"/>
           </a:p>
@@ -5515,7 +5515,7 @@
           <a:p>
             <a:fld id="{530820CF-B880-4189-942D-D702A7CBA730}" type="datetimeFigureOut">
               <a:rPr lang="zh-CN" altLang="en-US" smtClean="0"/>
-              <a:t>2020/9/30</a:t>
+              <a:t>2020/10/5</a:t>
             </a:fld>
             <a:endParaRPr lang="zh-CN" altLang="en-US"/>
           </a:p>
@@ -5729,7 +5729,7 @@
           <a:p>
             <a:fld id="{530820CF-B880-4189-942D-D702A7CBA730}" type="datetimeFigureOut">
               <a:rPr lang="zh-CN" altLang="en-US" smtClean="0"/>
-              <a:t>2020/9/30</a:t>
+              <a:t>2020/10/5</a:t>
             </a:fld>
             <a:endParaRPr lang="zh-CN" altLang="en-US"/>
           </a:p>
@@ -21327,7 +21327,7 @@
               <a:rPr lang="zh-CN" altLang="en-US" sz="2000" dirty="0">
                 <a:latin typeface="Agency FB" panose="020B0503020202020204" pitchFamily="34" charset="0"/>
               </a:rPr>
-              <a:t>案例一：使用逻辑回归进行鸢尾花品种分类</a:t>
+              <a:t>逻辑回归</a:t>
             </a:r>
           </a:p>
         </p:txBody>
@@ -21358,7 +21358,7 @@
               <a:rPr lang="zh-CN" altLang="en-US" sz="2000" dirty="0">
                 <a:latin typeface="Agency FB" panose="020B0503020202020204" pitchFamily="34" charset="0"/>
               </a:rPr>
-              <a:t>鸢尾花数据集</a:t>
+              <a:t>逻辑回归分类器</a:t>
             </a:r>
           </a:p>
         </p:txBody>
@@ -21386,16 +21386,10 @@
           <a:lstStyle/>
           <a:p>
             <a:r>
-              <a:rPr lang="en-US" altLang="zh-CN" sz="2000" dirty="0">
-                <a:latin typeface="Agency FB" panose="020B0503020202020204" pitchFamily="34" charset="0"/>
-              </a:rPr>
-              <a:t>HTTP</a:t>
-            </a:r>
-            <a:r>
               <a:rPr lang="zh-CN" altLang="en-US" sz="2000" dirty="0">
                 <a:latin typeface="Agency FB" panose="020B0503020202020204" pitchFamily="34" charset="0"/>
               </a:rPr>
-              <a:t>协议</a:t>
+              <a:t>鸢尾花数据集</a:t>
             </a:r>
           </a:p>
         </p:txBody>
@@ -21426,7 +21420,7 @@
               <a:rPr lang="zh-CN" altLang="en-US" sz="2000" dirty="0">
                 <a:latin typeface="Agency FB" panose="020B0503020202020204" pitchFamily="34" charset="0"/>
               </a:rPr>
-              <a:t>网页结构</a:t>
+              <a:t>训练分类器</a:t>
             </a:r>
           </a:p>
         </p:txBody>
@@ -32766,7 +32760,7 @@
               <a:rPr lang="zh-CN" altLang="en-US" sz="2000" dirty="0">
                 <a:latin typeface="Agency FB" panose="020B0503020202020204" pitchFamily="34" charset="0"/>
               </a:rPr>
-              <a:t>内容传输</a:t>
+              <a:t>分类器分析</a:t>
             </a:r>
           </a:p>
         </p:txBody>
@@ -33341,7 +33335,7 @@
                         <p:par>
                           <p:cTn id="37" fill="hold">
                             <p:stCondLst>
-                              <p:cond delay="4150"/>
+                              <p:cond delay="3775"/>
                             </p:stCondLst>
                             <p:childTnLst>
                               <p:par>
@@ -33385,7 +33379,7 @@
                         <p:par>
                           <p:cTn id="41" fill="hold">
                             <p:stCondLst>
-                              <p:cond delay="4650"/>
+                              <p:cond delay="4275"/>
                             </p:stCondLst>
                             <p:childTnLst>
                               <p:par>
@@ -33455,7 +33449,7 @@
                         <p:par>
                           <p:cTn id="46" fill="hold">
                             <p:stCondLst>
-                              <p:cond delay="5200"/>
+                              <p:cond delay="4825"/>
                             </p:stCondLst>
                             <p:childTnLst>
                               <p:par>
@@ -33499,7 +33493,7 @@
                         <p:par>
                           <p:cTn id="50" fill="hold">
                             <p:stCondLst>
-                              <p:cond delay="5700"/>
+                              <p:cond delay="5325"/>
                             </p:stCondLst>
                             <p:childTnLst>
                               <p:par>
@@ -33569,7 +33563,7 @@
                         <p:par>
                           <p:cTn id="55" fill="hold">
                             <p:stCondLst>
-                              <p:cond delay="6075"/>
+                              <p:cond delay="5725"/>
                             </p:stCondLst>
                             <p:childTnLst>
                               <p:par>
@@ -33613,7 +33607,7 @@
                         <p:par>
                           <p:cTn id="59" fill="hold">
                             <p:stCondLst>
-                              <p:cond delay="6575"/>
+                              <p:cond delay="6225"/>
                             </p:stCondLst>
                             <p:childTnLst>
                               <p:par>
@@ -33683,7 +33677,7 @@
                         <p:par>
                           <p:cTn id="64" fill="hold">
                             <p:stCondLst>
-                              <p:cond delay="7125"/>
+                              <p:cond delay="6775"/>
                             </p:stCondLst>
                             <p:childTnLst>
                               <p:par>
@@ -33727,7 +33721,7 @@
                         <p:par>
                           <p:cTn id="68" fill="hold">
                             <p:stCondLst>
-                              <p:cond delay="7625"/>
+                              <p:cond delay="7275"/>
                             </p:stCondLst>
                             <p:childTnLst>
                               <p:par>
@@ -33797,7 +33791,7 @@
                         <p:par>
                           <p:cTn id="73" fill="hold">
                             <p:stCondLst>
-                              <p:cond delay="8000"/>
+                              <p:cond delay="7650"/>
                             </p:stCondLst>
                             <p:childTnLst>
                               <p:par>
@@ -33841,7 +33835,7 @@
                         <p:par>
                           <p:cTn id="77" fill="hold">
                             <p:stCondLst>
-                              <p:cond delay="8500"/>
+                              <p:cond delay="8150"/>
                             </p:stCondLst>
                             <p:childTnLst>
                               <p:par>
@@ -33911,7 +33905,7 @@
                         <p:par>
                           <p:cTn id="82" fill="hold">
                             <p:stCondLst>
-                              <p:cond delay="9050"/>
+                              <p:cond delay="8700"/>
                             </p:stCondLst>
                             <p:childTnLst>
                               <p:par>
@@ -33955,7 +33949,7 @@
                         <p:par>
                           <p:cTn id="86" fill="hold">
                             <p:stCondLst>
-                              <p:cond delay="9550"/>
+                              <p:cond delay="9200"/>
                             </p:stCondLst>
                             <p:childTnLst>
                               <p:par>
@@ -34025,7 +34019,7 @@
                         <p:par>
                           <p:cTn id="91" fill="hold">
                             <p:stCondLst>
-                              <p:cond delay="9875"/>
+                              <p:cond delay="9550"/>
                             </p:stCondLst>
                             <p:childTnLst>
                               <p:par>
@@ -34069,7 +34063,7 @@
                         <p:par>
                           <p:cTn id="95" fill="hold">
                             <p:stCondLst>
-                              <p:cond delay="10375"/>
+                              <p:cond delay="10050"/>
                             </p:stCondLst>
                             <p:childTnLst>
                               <p:par>
@@ -34139,7 +34133,7 @@
                         <p:par>
                           <p:cTn id="100" fill="hold">
                             <p:stCondLst>
-                              <p:cond delay="10925"/>
+                              <p:cond delay="10600"/>
                             </p:stCondLst>
                             <p:childTnLst>
                               <p:par>
@@ -34183,7 +34177,7 @@
                         <p:par>
                           <p:cTn id="104" fill="hold">
                             <p:stCondLst>
-                              <p:cond delay="11425"/>
+                              <p:cond delay="11100"/>
                             </p:stCondLst>
                             <p:childTnLst>
                               <p:par>
